--- a/PCF-Workshop/presos/0-StartupSlides.pptx
+++ b/PCF-Workshop/presos/0-StartupSlides.pptx
@@ -16267,46 +16267,88 @@
         </p:nvSpPr>
         <p:spPr/>
         <p:txBody>
-          <a:bodyPr/>
+          <a:bodyPr>
+            <a:normAutofit fontScale="92500" lnSpcReduction="20000"/>
+          </a:bodyPr>
           <a:lstStyle/>
           <a:p>
             <a:r>
-              <a:rPr lang="en-US" dirty="0" smtClean="0"/>
+              <a:rPr lang="en-US" dirty="0"/>
               <a:t>Pivotal Platform Architects	</a:t>
             </a:r>
           </a:p>
           <a:p>
             <a:pPr lvl="1"/>
             <a:r>
-              <a:rPr lang="en-US" dirty="0" smtClean="0"/>
-              <a:t>Matt Gunter (</a:t>
-            </a:r>
-            <a:r>
               <a:rPr lang="en-US" dirty="0"/>
-              <a:t>T</a:t>
-            </a:r>
-            <a:r>
-              <a:rPr lang="en-US" dirty="0" smtClean="0"/>
-              <a:t>ampa)</a:t>
+              <a:t>Matt Gunter (Tampa)</a:t>
             </a:r>
           </a:p>
           <a:p>
             <a:pPr lvl="1"/>
             <a:r>
-              <a:rPr lang="en-US" dirty="0" smtClean="0"/>
-              <a:t>James Williams (Jacksonville)</a:t>
-            </a:r>
-          </a:p>
-          <a:p>
-            <a:r>
-              <a:rPr lang="en-US" dirty="0" smtClean="0"/>
+              <a:rPr lang="en-US" dirty="0"/>
+              <a:t>James </a:t>
+            </a:r>
+            <a:r>
+              <a:rPr lang="en-US" dirty="0" smtClean="0"/>
+              <a:t>Williams -Director </a:t>
+            </a:r>
+            <a:r>
+              <a:rPr lang="en-US" dirty="0"/>
+              <a:t>(Jacksonville)</a:t>
+            </a:r>
+          </a:p>
+          <a:p>
+            <a:pPr lvl="1"/>
+            <a:r>
+              <a:rPr lang="en-US" dirty="0" err="1"/>
+              <a:t>Vinay</a:t>
+            </a:r>
+            <a:r>
+              <a:rPr lang="en-US" dirty="0"/>
+              <a:t> </a:t>
+            </a:r>
+            <a:r>
+              <a:rPr lang="en-US" dirty="0" err="1"/>
+              <a:t>Upadhya</a:t>
+            </a:r>
+            <a:r>
+              <a:rPr lang="en-US" dirty="0"/>
+              <a:t> (NY)</a:t>
+            </a:r>
+          </a:p>
+          <a:p>
+            <a:r>
+              <a:rPr lang="en-US" dirty="0"/>
+              <a:t>Customer Success</a:t>
+            </a:r>
+          </a:p>
+          <a:p>
+            <a:pPr lvl="1"/>
+            <a:r>
+              <a:rPr lang="en-US" dirty="0"/>
+              <a:t>Doug </a:t>
+            </a:r>
+            <a:r>
+              <a:rPr lang="en-US" dirty="0" err="1"/>
+              <a:t>Berends</a:t>
+            </a:r>
+            <a:r>
+              <a:rPr lang="en-US" dirty="0"/>
+              <a:t>(NY)</a:t>
+            </a:r>
+          </a:p>
+          <a:p>
+            <a:r>
+              <a:rPr lang="en-US" dirty="0"/>
               <a:t>Citi</a:t>
             </a:r>
           </a:p>
           <a:p>
             <a:pPr lvl="1"/>
             <a:r>
-              <a:rPr lang="en-US" dirty="0" smtClean="0"/>
+              <a:rPr lang="en-US" dirty="0"/>
               <a:t>Let’s go around the room….</a:t>
             </a:r>
             <a:endParaRPr lang="en-US" dirty="0"/>
